--- a/제안서/발표용 제안서/Legend Of Doodle_김나단_김선필_강태규.pptx
+++ b/제안서/발표용 제안서/Legend Of Doodle_김나단_김선필_강태규.pptx
@@ -11,10 +11,12 @@
     <p:sldId id="259" r:id="rId5"/>
     <p:sldId id="260" r:id="rId6"/>
     <p:sldId id="261" r:id="rId7"/>
-    <p:sldId id="262" r:id="rId8"/>
-    <p:sldId id="263" r:id="rId9"/>
-    <p:sldId id="264" r:id="rId10"/>
-    <p:sldId id="265" r:id="rId11"/>
+    <p:sldId id="263" r:id="rId8"/>
+    <p:sldId id="266" r:id="rId9"/>
+    <p:sldId id="267" r:id="rId10"/>
+    <p:sldId id="268" r:id="rId11"/>
+    <p:sldId id="264" r:id="rId12"/>
+    <p:sldId id="265" r:id="rId13"/>
   </p:sldIdLst>
   <p:sldSz cx="12192000" cy="6858000"/>
   <p:notesSz cx="6858000" cy="9144000"/>
@@ -113,7 +115,16 @@
       </a:defRPr>
     </a:lvl9pPr>
   </p:defaultTextStyle>
+  <p:extLst>
+    <p:ext uri="{EFAFB233-063F-42B5-8137-9DF3F51BA10A}">
+      <p15:sldGuideLst xmlns:p15="http://schemas.microsoft.com/office/powerpoint/2012/main"/>
+    </p:ext>
+  </p:extLst>
 </p:presentation>
+</file>
+
+<file path=ppt/revisionInfo.xml><?xml version="1.0" encoding="utf-8"?>
+<p1510:revInfo xmlns:a="http://schemas.openxmlformats.org/drawingml/2006/main" xmlns:r="http://schemas.openxmlformats.org/officeDocument/2006/relationships" xmlns:p1510="http://schemas.microsoft.com/office/powerpoint/2015/10/main"/>
 </file>
 
 <file path=ppt/slideLayouts/slideLayout1.xml><?xml version="1.0" encoding="utf-8"?>
@@ -286,7 +297,7 @@
             <a:fld id="{87DE6118-2437-4B30-8E3C-4D2BE6020583}" type="datetimeFigureOut">
               <a:rPr lang="en-US" dirty="0"/>
               <a:pPr/>
-              <a:t>11/27/2017</a:t>
+              <a:t>12/1/2017</a:t>
             </a:fld>
             <a:endParaRPr lang="en-US" dirty="0"/>
           </a:p>
@@ -612,7 +623,7 @@
           <a:p>
             <a:fld id="{87DE6118-2437-4B30-8E3C-4D2BE6020583}" type="datetimeFigureOut">
               <a:rPr lang="en-US" dirty="0"/>
-              <a:t>11/27/2017</a:t>
+              <a:t>12/1/2017</a:t>
             </a:fld>
             <a:endParaRPr lang="en-US" dirty="0"/>
           </a:p>
@@ -787,7 +798,7 @@
           <a:p>
             <a:fld id="{87DE6118-2437-4B30-8E3C-4D2BE6020583}" type="datetimeFigureOut">
               <a:rPr lang="en-US" dirty="0"/>
-              <a:t>11/27/2017</a:t>
+              <a:t>12/1/2017</a:t>
             </a:fld>
             <a:endParaRPr lang="en-US" dirty="0"/>
           </a:p>
@@ -952,7 +963,7 @@
           <a:p>
             <a:fld id="{87DE6118-2437-4B30-8E3C-4D2BE6020583}" type="datetimeFigureOut">
               <a:rPr lang="en-US" dirty="0"/>
-              <a:t>11/27/2017</a:t>
+              <a:t>12/1/2017</a:t>
             </a:fld>
             <a:endParaRPr lang="en-US" dirty="0"/>
           </a:p>
@@ -1225,7 +1236,7 @@
             <a:fld id="{87DE6118-2437-4B30-8E3C-4D2BE6020583}" type="datetimeFigureOut">
               <a:rPr lang="en-US" dirty="0"/>
               <a:pPr/>
-              <a:t>11/27/2017</a:t>
+              <a:t>12/1/2017</a:t>
             </a:fld>
             <a:endParaRPr lang="en-US" dirty="0"/>
           </a:p>
@@ -1615,7 +1626,7 @@
           <a:p>
             <a:fld id="{87DE6118-2437-4B30-8E3C-4D2BE6020583}" type="datetimeFigureOut">
               <a:rPr lang="en-US" dirty="0"/>
-              <a:t>11/27/2017</a:t>
+              <a:t>12/1/2017</a:t>
             </a:fld>
             <a:endParaRPr lang="en-US" dirty="0"/>
           </a:p>
@@ -2087,7 +2098,7 @@
           <a:p>
             <a:fld id="{87DE6118-2437-4B30-8E3C-4D2BE6020583}" type="datetimeFigureOut">
               <a:rPr lang="en-US" dirty="0"/>
-              <a:t>11/27/2017</a:t>
+              <a:t>12/1/2017</a:t>
             </a:fld>
             <a:endParaRPr lang="en-US" dirty="0"/>
           </a:p>
@@ -2200,7 +2211,7 @@
           <a:p>
             <a:fld id="{87DE6118-2437-4B30-8E3C-4D2BE6020583}" type="datetimeFigureOut">
               <a:rPr lang="en-US" dirty="0"/>
-              <a:t>11/27/2017</a:t>
+              <a:t>12/1/2017</a:t>
             </a:fld>
             <a:endParaRPr lang="en-US" dirty="0"/>
           </a:p>
@@ -2290,7 +2301,7 @@
           <a:p>
             <a:fld id="{87DE6118-2437-4B30-8E3C-4D2BE6020583}" type="datetimeFigureOut">
               <a:rPr lang="en-US" dirty="0"/>
-              <a:t>11/27/2017</a:t>
+              <a:t>12/1/2017</a:t>
             </a:fld>
             <a:endParaRPr lang="en-US" dirty="0"/>
           </a:p>
@@ -2632,7 +2643,7 @@
             <a:fld id="{87DE6118-2437-4B30-8E3C-4D2BE6020583}" type="datetimeFigureOut">
               <a:rPr lang="en-US" dirty="0"/>
               <a:pPr/>
-              <a:t>11/27/2017</a:t>
+              <a:t>12/1/2017</a:t>
             </a:fld>
             <a:endParaRPr lang="en-US" dirty="0"/>
           </a:p>
@@ -3017,7 +3028,7 @@
             <a:fld id="{87DE6118-2437-4B30-8E3C-4D2BE6020583}" type="datetimeFigureOut">
               <a:rPr lang="en-US" dirty="0"/>
               <a:pPr/>
-              <a:t>11/27/2017</a:t>
+              <a:t>12/1/2017</a:t>
             </a:fld>
             <a:endParaRPr lang="en-US" dirty="0"/>
           </a:p>
@@ -3292,7 +3303,7 @@
             <a:fld id="{87DE6118-2437-4B30-8E3C-4D2BE6020583}" type="datetimeFigureOut">
               <a:rPr lang="en-US" dirty="0"/>
               <a:pPr/>
-              <a:t>11/27/2017</a:t>
+              <a:t>12/1/2017</a:t>
             </a:fld>
             <a:endParaRPr lang="en-US" dirty="0"/>
           </a:p>
@@ -4132,11 +4143,32 @@
               <a:t>2013180003 </a:t>
             </a:r>
             <a:r>
-              <a:rPr lang="ko-KR" altLang="en-US" sz="1800" dirty="0">
+              <a:rPr lang="ko-KR" altLang="en-US" sz="1800" dirty="0" err="1">
                 <a:latin typeface="휴먼모음T" panose="02030504000101010101" pitchFamily="18" charset="-127"/>
                 <a:ea typeface="휴먼모음T" panose="02030504000101010101" pitchFamily="18" charset="-127"/>
               </a:rPr>
               <a:t>김나단</a:t>
+            </a:r>
+            <a:endParaRPr lang="en-US" altLang="ko-KR" sz="1800" dirty="0">
+              <a:latin typeface="휴먼모음T" panose="02030504000101010101" pitchFamily="18" charset="-127"/>
+              <a:ea typeface="휴먼모음T" panose="02030504000101010101" pitchFamily="18" charset="-127"/>
+            </a:endParaRPr>
+          </a:p>
+          <a:p>
+            <a:pPr algn="r"/>
+            <a:r>
+              <a:rPr lang="en-US" altLang="ko-KR" sz="1800" dirty="0">
+                <a:latin typeface="휴먼모음T" panose="02030504000101010101" pitchFamily="18" charset="-127"/>
+                <a:ea typeface="휴먼모음T" panose="02030504000101010101" pitchFamily="18" charset="-127"/>
+              </a:rPr>
+              <a:t>2013182011 </a:t>
+            </a:r>
+            <a:r>
+              <a:rPr lang="ko-KR" altLang="en-US" sz="1800" dirty="0" err="1">
+                <a:latin typeface="휴먼모음T" panose="02030504000101010101" pitchFamily="18" charset="-127"/>
+                <a:ea typeface="휴먼모음T" panose="02030504000101010101" pitchFamily="18" charset="-127"/>
+              </a:rPr>
+              <a:t>김선필</a:t>
             </a:r>
             <a:endParaRPr lang="en-US" altLang="ko-KR" sz="1800" dirty="0">
               <a:latin typeface="휴먼모음T" panose="02030504000101010101" pitchFamily="18" charset="-127"/>
@@ -4220,6 +4252,206 @@
                 <a:latin typeface="휴먼모음T" panose="02030504000101010101" pitchFamily="18" charset="-127"/>
                 <a:ea typeface="휴먼모음T" panose="02030504000101010101" pitchFamily="18" charset="-127"/>
               </a:rPr>
+              <a:t>연구분야 세부</a:t>
+            </a:r>
+            <a:r>
+              <a:rPr lang="en-US" altLang="ko-KR" dirty="0">
+                <a:latin typeface="휴먼모음T" panose="02030504000101010101" pitchFamily="18" charset="-127"/>
+                <a:ea typeface="휴먼모음T" panose="02030504000101010101" pitchFamily="18" charset="-127"/>
+              </a:rPr>
+              <a:t>– </a:t>
+            </a:r>
+            <a:r>
+              <a:rPr lang="ko-KR" altLang="en-US" dirty="0">
+                <a:latin typeface="휴먼모음T" panose="02030504000101010101" pitchFamily="18" charset="-127"/>
+                <a:ea typeface="휴먼모음T" panose="02030504000101010101" pitchFamily="18" charset="-127"/>
+              </a:rPr>
+              <a:t>클라이언트</a:t>
+            </a:r>
+            <a:endParaRPr lang="en-US" altLang="ko-KR" dirty="0">
+              <a:latin typeface="휴먼모음T" panose="02030504000101010101" pitchFamily="18" charset="-127"/>
+              <a:ea typeface="휴먼모음T" panose="02030504000101010101" pitchFamily="18" charset="-127"/>
+            </a:endParaRPr>
+          </a:p>
+        </p:txBody>
+      </p:sp>
+      <p:sp>
+        <p:nvSpPr>
+          <p:cNvPr id="5" name="내용 개체 틀 4">
+            <a:extLst>
+              <a:ext uri="{FF2B5EF4-FFF2-40B4-BE49-F238E27FC236}">
+                <a16:creationId xmlns:a16="http://schemas.microsoft.com/office/drawing/2014/main" id="{9FB52D98-533A-47D2-8523-BFFFB3E178F2}"/>
+              </a:ext>
+            </a:extLst>
+          </p:cNvPr>
+          <p:cNvSpPr>
+            <a:spLocks noGrp="1"/>
+          </p:cNvSpPr>
+          <p:nvPr>
+            <p:ph idx="1"/>
+          </p:nvPr>
+        </p:nvSpPr>
+        <p:spPr/>
+        <p:txBody>
+          <a:bodyPr/>
+          <a:lstStyle/>
+          <a:p>
+            <a:endParaRPr lang="ko-KR" altLang="en-US" dirty="0"/>
+          </a:p>
+        </p:txBody>
+      </p:sp>
+    </p:spTree>
+    <p:extLst>
+      <p:ext uri="{BB962C8B-B14F-4D97-AF65-F5344CB8AC3E}">
+        <p14:creationId xmlns:p14="http://schemas.microsoft.com/office/powerpoint/2010/main" val="424684074"/>
+      </p:ext>
+    </p:extLst>
+  </p:cSld>
+  <p:clrMapOvr>
+    <a:masterClrMapping/>
+  </p:clrMapOvr>
+</p:sld>
+</file>
+
+<file path=ppt/slides/slide11.xml><?xml version="1.0" encoding="utf-8"?>
+<p:sld xmlns:a="http://schemas.openxmlformats.org/drawingml/2006/main" xmlns:r="http://schemas.openxmlformats.org/officeDocument/2006/relationships" xmlns:p="http://schemas.openxmlformats.org/presentationml/2006/main">
+  <p:cSld>
+    <p:spTree>
+      <p:nvGrpSpPr>
+        <p:cNvPr id="1" name=""/>
+        <p:cNvGrpSpPr/>
+        <p:nvPr/>
+      </p:nvGrpSpPr>
+      <p:grpSpPr>
+        <a:xfrm>
+          <a:off x="0" y="0"/>
+          <a:ext cx="0" cy="0"/>
+          <a:chOff x="0" y="0"/>
+          <a:chExt cx="0" cy="0"/>
+        </a:xfrm>
+      </p:grpSpPr>
+      <p:sp>
+        <p:nvSpPr>
+          <p:cNvPr id="2" name="제목 1">
+            <a:extLst>
+              <a:ext uri="{FF2B5EF4-FFF2-40B4-BE49-F238E27FC236}">
+                <a16:creationId xmlns:a16="http://schemas.microsoft.com/office/drawing/2014/main" id="{1B2F03EE-71DD-491C-99CC-16E59ED95F65}"/>
+              </a:ext>
+            </a:extLst>
+          </p:cNvPr>
+          <p:cNvSpPr>
+            <a:spLocks noGrp="1"/>
+          </p:cNvSpPr>
+          <p:nvPr>
+            <p:ph type="title"/>
+          </p:nvPr>
+        </p:nvSpPr>
+        <p:spPr>
+          <a:xfrm>
+            <a:off x="1371600" y="685800"/>
+            <a:ext cx="9601200" cy="774700"/>
+          </a:xfrm>
+        </p:spPr>
+        <p:txBody>
+          <a:bodyPr/>
+          <a:lstStyle/>
+          <a:p>
+            <a:r>
+              <a:rPr lang="ko-KR" altLang="en-US" dirty="0">
+                <a:latin typeface="휴먼모음T" panose="02030504000101010101" pitchFamily="18" charset="-127"/>
+                <a:ea typeface="휴먼모음T" panose="02030504000101010101" pitchFamily="18" charset="-127"/>
+              </a:rPr>
+              <a:t>타 게임과의 비교</a:t>
+            </a:r>
+          </a:p>
+        </p:txBody>
+      </p:sp>
+      <p:sp>
+        <p:nvSpPr>
+          <p:cNvPr id="5" name="내용 개체 틀 4">
+            <a:extLst>
+              <a:ext uri="{FF2B5EF4-FFF2-40B4-BE49-F238E27FC236}">
+                <a16:creationId xmlns:a16="http://schemas.microsoft.com/office/drawing/2014/main" id="{9FB52D98-533A-47D2-8523-BFFFB3E178F2}"/>
+              </a:ext>
+            </a:extLst>
+          </p:cNvPr>
+          <p:cNvSpPr>
+            <a:spLocks noGrp="1"/>
+          </p:cNvSpPr>
+          <p:nvPr>
+            <p:ph idx="1"/>
+          </p:nvPr>
+        </p:nvSpPr>
+        <p:spPr/>
+        <p:txBody>
+          <a:bodyPr/>
+          <a:lstStyle/>
+          <a:p>
+            <a:endParaRPr lang="ko-KR" altLang="en-US" dirty="0"/>
+          </a:p>
+        </p:txBody>
+      </p:sp>
+    </p:spTree>
+    <p:extLst>
+      <p:ext uri="{BB962C8B-B14F-4D97-AF65-F5344CB8AC3E}">
+        <p14:creationId xmlns:p14="http://schemas.microsoft.com/office/powerpoint/2010/main" val="3564626019"/>
+      </p:ext>
+    </p:extLst>
+  </p:cSld>
+  <p:clrMapOvr>
+    <a:masterClrMapping/>
+  </p:clrMapOvr>
+</p:sld>
+</file>
+
+<file path=ppt/slides/slide12.xml><?xml version="1.0" encoding="utf-8"?>
+<p:sld xmlns:a="http://schemas.openxmlformats.org/drawingml/2006/main" xmlns:r="http://schemas.openxmlformats.org/officeDocument/2006/relationships" xmlns:p="http://schemas.openxmlformats.org/presentationml/2006/main">
+  <p:cSld>
+    <p:spTree>
+      <p:nvGrpSpPr>
+        <p:cNvPr id="1" name=""/>
+        <p:cNvGrpSpPr/>
+        <p:nvPr/>
+      </p:nvGrpSpPr>
+      <p:grpSpPr>
+        <a:xfrm>
+          <a:off x="0" y="0"/>
+          <a:ext cx="0" cy="0"/>
+          <a:chOff x="0" y="0"/>
+          <a:chExt cx="0" cy="0"/>
+        </a:xfrm>
+      </p:grpSpPr>
+      <p:sp>
+        <p:nvSpPr>
+          <p:cNvPr id="2" name="제목 1">
+            <a:extLst>
+              <a:ext uri="{FF2B5EF4-FFF2-40B4-BE49-F238E27FC236}">
+                <a16:creationId xmlns:a16="http://schemas.microsoft.com/office/drawing/2014/main" id="{1B2F03EE-71DD-491C-99CC-16E59ED95F65}"/>
+              </a:ext>
+            </a:extLst>
+          </p:cNvPr>
+          <p:cNvSpPr>
+            <a:spLocks noGrp="1"/>
+          </p:cNvSpPr>
+          <p:nvPr>
+            <p:ph type="title"/>
+          </p:nvPr>
+        </p:nvSpPr>
+        <p:spPr>
+          <a:xfrm>
+            <a:off x="1371600" y="685800"/>
+            <a:ext cx="9601200" cy="774700"/>
+          </a:xfrm>
+        </p:spPr>
+        <p:txBody>
+          <a:bodyPr/>
+          <a:lstStyle/>
+          <a:p>
+            <a:r>
+              <a:rPr lang="ko-KR" altLang="en-US" dirty="0">
+                <a:latin typeface="휴먼모음T" panose="02030504000101010101" pitchFamily="18" charset="-127"/>
+                <a:ea typeface="휴먼모음T" panose="02030504000101010101" pitchFamily="18" charset="-127"/>
+              </a:rPr>
               <a:t>개발일정 및 구성원 역할 분담</a:t>
             </a:r>
           </a:p>
@@ -4339,7 +4571,9 @@
           </a:xfrm>
         </p:spPr>
         <p:txBody>
-          <a:bodyPr/>
+          <a:bodyPr>
+            <a:normAutofit fontScale="92500" lnSpcReduction="20000"/>
+          </a:bodyPr>
           <a:lstStyle/>
           <a:p>
             <a:r>
@@ -4399,7 +4633,7 @@
                 <a:latin typeface="휴먼모음T" panose="02030504000101010101" pitchFamily="18" charset="-127"/>
                 <a:ea typeface="휴먼모음T" panose="02030504000101010101" pitchFamily="18" charset="-127"/>
               </a:rPr>
-              <a:t>기술적요소</a:t>
+              <a:t>중점 연구분야</a:t>
             </a:r>
             <a:endParaRPr lang="en-US" altLang="ko-KR" dirty="0">
               <a:latin typeface="휴먼모음T" panose="02030504000101010101" pitchFamily="18" charset="-127"/>
@@ -4412,7 +4646,75 @@
                 <a:latin typeface="휴먼모음T" panose="02030504000101010101" pitchFamily="18" charset="-127"/>
                 <a:ea typeface="휴먼모음T" panose="02030504000101010101" pitchFamily="18" charset="-127"/>
               </a:rPr>
-              <a:t>중점 연구분야</a:t>
+              <a:t>연구분야 세부</a:t>
+            </a:r>
+            <a:r>
+              <a:rPr lang="en-US" altLang="ko-KR" dirty="0">
+                <a:latin typeface="휴먼모음T" panose="02030504000101010101" pitchFamily="18" charset="-127"/>
+                <a:ea typeface="휴먼모음T" panose="02030504000101010101" pitchFamily="18" charset="-127"/>
+              </a:rPr>
+              <a:t>– </a:t>
+            </a:r>
+            <a:r>
+              <a:rPr lang="ko-KR" altLang="en-US" dirty="0">
+                <a:latin typeface="휴먼모음T" panose="02030504000101010101" pitchFamily="18" charset="-127"/>
+                <a:ea typeface="휴먼모음T" panose="02030504000101010101" pitchFamily="18" charset="-127"/>
+              </a:rPr>
+              <a:t>서버</a:t>
+            </a:r>
+            <a:endParaRPr lang="en-US" altLang="ko-KR" dirty="0">
+              <a:latin typeface="휴먼모음T" panose="02030504000101010101" pitchFamily="18" charset="-127"/>
+              <a:ea typeface="휴먼모음T" panose="02030504000101010101" pitchFamily="18" charset="-127"/>
+            </a:endParaRPr>
+          </a:p>
+          <a:p>
+            <a:r>
+              <a:rPr lang="ko-KR" altLang="en-US" dirty="0">
+                <a:latin typeface="휴먼모음T" panose="02030504000101010101" pitchFamily="18" charset="-127"/>
+                <a:ea typeface="휴먼모음T" panose="02030504000101010101" pitchFamily="18" charset="-127"/>
+              </a:rPr>
+              <a:t>연구분야 세부</a:t>
+            </a:r>
+            <a:r>
+              <a:rPr lang="en-US" altLang="ko-KR" dirty="0">
+                <a:latin typeface="휴먼모음T" panose="02030504000101010101" pitchFamily="18" charset="-127"/>
+                <a:ea typeface="휴먼모음T" panose="02030504000101010101" pitchFamily="18" charset="-127"/>
+              </a:rPr>
+              <a:t>– </a:t>
+            </a:r>
+            <a:r>
+              <a:rPr lang="ko-KR" altLang="en-US" dirty="0">
+                <a:latin typeface="휴먼모음T" panose="02030504000101010101" pitchFamily="18" charset="-127"/>
+                <a:ea typeface="휴먼모음T" panose="02030504000101010101" pitchFamily="18" charset="-127"/>
+              </a:rPr>
+              <a:t>그래픽</a:t>
+            </a:r>
+            <a:endParaRPr lang="en-US" altLang="ko-KR" dirty="0">
+              <a:latin typeface="휴먼모음T" panose="02030504000101010101" pitchFamily="18" charset="-127"/>
+              <a:ea typeface="휴먼모음T" panose="02030504000101010101" pitchFamily="18" charset="-127"/>
+            </a:endParaRPr>
+          </a:p>
+          <a:p>
+            <a:r>
+              <a:rPr lang="ko-KR" altLang="en-US" dirty="0">
+                <a:latin typeface="휴먼모음T" panose="02030504000101010101" pitchFamily="18" charset="-127"/>
+                <a:ea typeface="휴먼모음T" panose="02030504000101010101" pitchFamily="18" charset="-127"/>
+              </a:rPr>
+              <a:t>연구분야 세부</a:t>
+            </a:r>
+            <a:r>
+              <a:rPr lang="en-US" altLang="ko-KR" dirty="0">
+                <a:latin typeface="휴먼모음T" panose="02030504000101010101" pitchFamily="18" charset="-127"/>
+                <a:ea typeface="휴먼모음T" panose="02030504000101010101" pitchFamily="18" charset="-127"/>
+              </a:rPr>
+              <a:t>– </a:t>
+            </a:r>
+            <a:r>
+              <a:rPr lang="ko-KR" altLang="en-US" dirty="0">
+                <a:latin typeface="휴먼모음T" panose="02030504000101010101" pitchFamily="18" charset="-127"/>
+                <a:ea typeface="휴먼모음T" panose="02030504000101010101" pitchFamily="18" charset="-127"/>
+              </a:rPr>
+              <a:t>클라이언트</a:t>
             </a:r>
             <a:endParaRPr lang="en-US" altLang="ko-KR" dirty="0">
               <a:latin typeface="휴먼모음T" panose="02030504000101010101" pitchFamily="18" charset="-127"/>
@@ -4440,6 +4742,29 @@
               </a:rPr>
               <a:t>개발일정 및 구성원 역할분담</a:t>
             </a:r>
+            <a:endParaRPr lang="en-US" altLang="ko-KR" dirty="0">
+              <a:latin typeface="휴먼모음T" panose="02030504000101010101" pitchFamily="18" charset="-127"/>
+              <a:ea typeface="휴먼모음T" panose="02030504000101010101" pitchFamily="18" charset="-127"/>
+            </a:endParaRPr>
+          </a:p>
+          <a:p>
+            <a:r>
+              <a:rPr lang="ko-KR" altLang="en-US" dirty="0">
+                <a:latin typeface="휴먼모음T" panose="02030504000101010101" pitchFamily="18" charset="-127"/>
+                <a:ea typeface="휴먼모음T" panose="02030504000101010101" pitchFamily="18" charset="-127"/>
+              </a:rPr>
+              <a:t>질문</a:t>
+            </a:r>
+            <a:endParaRPr lang="en-US" altLang="ko-KR" dirty="0">
+              <a:latin typeface="휴먼모음T" panose="02030504000101010101" pitchFamily="18" charset="-127"/>
+              <a:ea typeface="휴먼모음T" panose="02030504000101010101" pitchFamily="18" charset="-127"/>
+            </a:endParaRPr>
+          </a:p>
+          <a:p>
+            <a:endParaRPr lang="ko-KR" altLang="en-US" dirty="0">
+              <a:latin typeface="휴먼모음T" panose="02030504000101010101" pitchFamily="18" charset="-127"/>
+              <a:ea typeface="휴먼모음T" panose="02030504000101010101" pitchFamily="18" charset="-127"/>
+            </a:endParaRPr>
           </a:p>
         </p:txBody>
       </p:sp>
@@ -4868,7 +5193,7 @@
                 <a:latin typeface="휴먼모음T" panose="02030504000101010101" pitchFamily="18" charset="-127"/>
                 <a:ea typeface="휴먼모음T" panose="02030504000101010101" pitchFamily="18" charset="-127"/>
               </a:rPr>
-              <a:t>기술적요소</a:t>
+              <a:t>중점 연구분야</a:t>
             </a:r>
           </a:p>
         </p:txBody>
@@ -4901,7 +5226,7 @@
     </p:spTree>
     <p:extLst>
       <p:ext uri="{BB962C8B-B14F-4D97-AF65-F5344CB8AC3E}">
-        <p14:creationId xmlns:p14="http://schemas.microsoft.com/office/powerpoint/2010/main" val="781873278"/>
+        <p14:creationId xmlns:p14="http://schemas.microsoft.com/office/powerpoint/2010/main" val="3135574746"/>
       </p:ext>
     </p:extLst>
   </p:cSld>
@@ -4959,8 +5284,26 @@
                 <a:latin typeface="휴먼모음T" panose="02030504000101010101" pitchFamily="18" charset="-127"/>
                 <a:ea typeface="휴먼모음T" panose="02030504000101010101" pitchFamily="18" charset="-127"/>
               </a:rPr>
-              <a:t>중점 연구분야</a:t>
-            </a:r>
+              <a:t>연구분야 세부</a:t>
+            </a:r>
+            <a:r>
+              <a:rPr lang="en-US" altLang="ko-KR" dirty="0">
+                <a:latin typeface="휴먼모음T" panose="02030504000101010101" pitchFamily="18" charset="-127"/>
+                <a:ea typeface="휴먼모음T" panose="02030504000101010101" pitchFamily="18" charset="-127"/>
+              </a:rPr>
+              <a:t>– </a:t>
+            </a:r>
+            <a:r>
+              <a:rPr lang="ko-KR" altLang="en-US" dirty="0">
+                <a:latin typeface="휴먼모음T" panose="02030504000101010101" pitchFamily="18" charset="-127"/>
+                <a:ea typeface="휴먼모음T" panose="02030504000101010101" pitchFamily="18" charset="-127"/>
+              </a:rPr>
+              <a:t>서버</a:t>
+            </a:r>
+            <a:endParaRPr lang="en-US" altLang="ko-KR" dirty="0">
+              <a:latin typeface="휴먼모음T" panose="02030504000101010101" pitchFamily="18" charset="-127"/>
+              <a:ea typeface="휴먼모음T" panose="02030504000101010101" pitchFamily="18" charset="-127"/>
+            </a:endParaRPr>
           </a:p>
         </p:txBody>
       </p:sp>
@@ -4992,7 +5335,7 @@
     </p:spTree>
     <p:extLst>
       <p:ext uri="{BB962C8B-B14F-4D97-AF65-F5344CB8AC3E}">
-        <p14:creationId xmlns:p14="http://schemas.microsoft.com/office/powerpoint/2010/main" val="3135574746"/>
+        <p14:creationId xmlns:p14="http://schemas.microsoft.com/office/powerpoint/2010/main" val="1317162215"/>
       </p:ext>
     </p:extLst>
   </p:cSld>
@@ -5050,8 +5393,26 @@
                 <a:latin typeface="휴먼모음T" panose="02030504000101010101" pitchFamily="18" charset="-127"/>
                 <a:ea typeface="휴먼모음T" panose="02030504000101010101" pitchFamily="18" charset="-127"/>
               </a:rPr>
-              <a:t>타 게임과의 비교</a:t>
-            </a:r>
+              <a:t>연구분야 세부</a:t>
+            </a:r>
+            <a:r>
+              <a:rPr lang="en-US" altLang="ko-KR" dirty="0">
+                <a:latin typeface="휴먼모음T" panose="02030504000101010101" pitchFamily="18" charset="-127"/>
+                <a:ea typeface="휴먼모음T" panose="02030504000101010101" pitchFamily="18" charset="-127"/>
+              </a:rPr>
+              <a:t>– </a:t>
+            </a:r>
+            <a:r>
+              <a:rPr lang="ko-KR" altLang="en-US" dirty="0">
+                <a:latin typeface="휴먼모음T" panose="02030504000101010101" pitchFamily="18" charset="-127"/>
+                <a:ea typeface="휴먼모음T" panose="02030504000101010101" pitchFamily="18" charset="-127"/>
+              </a:rPr>
+              <a:t>그래픽</a:t>
+            </a:r>
+            <a:endParaRPr lang="en-US" altLang="ko-KR" dirty="0">
+              <a:latin typeface="휴먼모음T" panose="02030504000101010101" pitchFamily="18" charset="-127"/>
+              <a:ea typeface="휴먼모음T" panose="02030504000101010101" pitchFamily="18" charset="-127"/>
+            </a:endParaRPr>
           </a:p>
         </p:txBody>
       </p:sp>
@@ -5083,7 +5444,7 @@
     </p:spTree>
     <p:extLst>
       <p:ext uri="{BB962C8B-B14F-4D97-AF65-F5344CB8AC3E}">
-        <p14:creationId xmlns:p14="http://schemas.microsoft.com/office/powerpoint/2010/main" val="3564626019"/>
+        <p14:creationId xmlns:p14="http://schemas.microsoft.com/office/powerpoint/2010/main" val="4076950460"/>
       </p:ext>
     </p:extLst>
   </p:cSld>
